--- a/Intro to Git.pptx
+++ b/Intro to Git.pptx
@@ -270,7 +270,7 @@
   <pc:docChgLst>
     <pc:chgData name="Andrew Holmes" userId="eb9da5768798d098" providerId="LiveId" clId="{605A3590-3913-4637-B59D-D120A56DD5A6}"/>
     <pc:docChg chg="undo custSel addSld delSld modSld sldOrd modSection">
-      <pc:chgData name="Andrew Holmes" userId="eb9da5768798d098" providerId="LiveId" clId="{605A3590-3913-4637-B59D-D120A56DD5A6}" dt="2022-11-23T07:52:12.503" v="16844" actId="20577"/>
+      <pc:chgData name="Andrew Holmes" userId="eb9da5768798d098" providerId="LiveId" clId="{605A3590-3913-4637-B59D-D120A56DD5A6}" dt="2022-11-24T05:45:31.745" v="17099" actId="20577"/>
       <pc:docMkLst>
         <pc:docMk/>
       </pc:docMkLst>
@@ -1133,7 +1133,7 @@
         </pc:spChg>
       </pc:sldChg>
       <pc:sldChg chg="addSp delSp modSp new mod modClrScheme chgLayout">
-        <pc:chgData name="Andrew Holmes" userId="eb9da5768798d098" providerId="LiveId" clId="{605A3590-3913-4637-B59D-D120A56DD5A6}" dt="2022-11-23T06:18:46.643" v="9202" actId="113"/>
+        <pc:chgData name="Andrew Holmes" userId="eb9da5768798d098" providerId="LiveId" clId="{605A3590-3913-4637-B59D-D120A56DD5A6}" dt="2022-11-24T05:43:49.644" v="16921" actId="478"/>
         <pc:sldMkLst>
           <pc:docMk/>
           <pc:sldMk cId="633430408" sldId="1906"/>
@@ -1170,16 +1170,16 @@
             <ac:spMk id="5" creationId="{384C4C00-E95C-3274-6EB7-BE0AED9AC032}"/>
           </ac:spMkLst>
         </pc:spChg>
-        <pc:spChg chg="add mod ord">
-          <ac:chgData name="Andrew Holmes" userId="eb9da5768798d098" providerId="LiveId" clId="{605A3590-3913-4637-B59D-D120A56DD5A6}" dt="2022-11-23T06:14:39.370" v="8982" actId="700"/>
+        <pc:spChg chg="add del mod ord">
+          <ac:chgData name="Andrew Holmes" userId="eb9da5768798d098" providerId="LiveId" clId="{605A3590-3913-4637-B59D-D120A56DD5A6}" dt="2022-11-24T05:43:49.644" v="16921" actId="478"/>
           <ac:spMkLst>
             <pc:docMk/>
             <pc:sldMk cId="633430408" sldId="1906"/>
             <ac:spMk id="6" creationId="{643BDF71-25A1-1AC3-C428-9299370EDDD2}"/>
           </ac:spMkLst>
         </pc:spChg>
-        <pc:spChg chg="add mod ord">
-          <ac:chgData name="Andrew Holmes" userId="eb9da5768798d098" providerId="LiveId" clId="{605A3590-3913-4637-B59D-D120A56DD5A6}" dt="2022-11-23T06:14:39.370" v="8982" actId="700"/>
+        <pc:spChg chg="add del mod ord">
+          <ac:chgData name="Andrew Holmes" userId="eb9da5768798d098" providerId="LiveId" clId="{605A3590-3913-4637-B59D-D120A56DD5A6}" dt="2022-11-24T05:43:48.528" v="16919" actId="478"/>
           <ac:spMkLst>
             <pc:docMk/>
             <pc:sldMk cId="633430408" sldId="1906"/>
@@ -1557,13 +1557,13 @@
         </pc:picChg>
       </pc:sldChg>
       <pc:sldChg chg="delSp modSp add mod">
-        <pc:chgData name="Andrew Holmes" userId="eb9da5768798d098" providerId="LiveId" clId="{605A3590-3913-4637-B59D-D120A56DD5A6}" dt="2022-11-23T06:48:02.990" v="11268" actId="20577"/>
+        <pc:chgData name="Andrew Holmes" userId="eb9da5768798d098" providerId="LiveId" clId="{605A3590-3913-4637-B59D-D120A56DD5A6}" dt="2022-11-24T05:42:29.363" v="16845" actId="20577"/>
         <pc:sldMkLst>
           <pc:docMk/>
           <pc:sldMk cId="908772030" sldId="1914"/>
         </pc:sldMkLst>
         <pc:spChg chg="mod">
-          <ac:chgData name="Andrew Holmes" userId="eb9da5768798d098" providerId="LiveId" clId="{605A3590-3913-4637-B59D-D120A56DD5A6}" dt="2022-11-23T06:48:02.990" v="11268" actId="20577"/>
+          <ac:chgData name="Andrew Holmes" userId="eb9da5768798d098" providerId="LiveId" clId="{605A3590-3913-4637-B59D-D120A56DD5A6}" dt="2022-11-24T05:42:29.363" v="16845" actId="20577"/>
           <ac:spMkLst>
             <pc:docMk/>
             <pc:sldMk cId="908772030" sldId="1914"/>
@@ -1611,13 +1611,13 @@
         </pc:picChg>
       </pc:sldChg>
       <pc:sldChg chg="addSp delSp modSp add mod">
-        <pc:chgData name="Andrew Holmes" userId="eb9da5768798d098" providerId="LiveId" clId="{605A3590-3913-4637-B59D-D120A56DD5A6}" dt="2022-11-23T07:00:35.367" v="12135" actId="14100"/>
+        <pc:chgData name="Andrew Holmes" userId="eb9da5768798d098" providerId="LiveId" clId="{605A3590-3913-4637-B59D-D120A56DD5A6}" dt="2022-11-24T05:43:39.150" v="16918" actId="14100"/>
         <pc:sldMkLst>
           <pc:docMk/>
           <pc:sldMk cId="3408135132" sldId="1916"/>
         </pc:sldMkLst>
         <pc:spChg chg="mod">
-          <ac:chgData name="Andrew Holmes" userId="eb9da5768798d098" providerId="LiveId" clId="{605A3590-3913-4637-B59D-D120A56DD5A6}" dt="2022-11-23T07:00:35.367" v="12135" actId="14100"/>
+          <ac:chgData name="Andrew Holmes" userId="eb9da5768798d098" providerId="LiveId" clId="{605A3590-3913-4637-B59D-D120A56DD5A6}" dt="2022-11-24T05:43:32.144" v="16917" actId="113"/>
           <ac:spMkLst>
             <pc:docMk/>
             <pc:sldMk cId="3408135132" sldId="1916"/>
@@ -1633,7 +1633,7 @@
           </ac:spMkLst>
         </pc:spChg>
         <pc:spChg chg="add mod">
-          <ac:chgData name="Andrew Holmes" userId="eb9da5768798d098" providerId="LiveId" clId="{605A3590-3913-4637-B59D-D120A56DD5A6}" dt="2022-11-23T07:00:32.192" v="12134" actId="1076"/>
+          <ac:chgData name="Andrew Holmes" userId="eb9da5768798d098" providerId="LiveId" clId="{605A3590-3913-4637-B59D-D120A56DD5A6}" dt="2022-11-24T05:43:39.150" v="16918" actId="14100"/>
           <ac:spMkLst>
             <pc:docMk/>
             <pc:sldMk cId="3408135132" sldId="1916"/>
@@ -1956,7 +1956,7 @@
         </pc:spChg>
       </pc:sldChg>
       <pc:sldChg chg="addSp delSp modSp new mod chgLayout">
-        <pc:chgData name="Andrew Holmes" userId="eb9da5768798d098" providerId="LiveId" clId="{605A3590-3913-4637-B59D-D120A56DD5A6}" dt="2022-11-23T07:39:39.562" v="16247" actId="20577"/>
+        <pc:chgData name="Andrew Holmes" userId="eb9da5768798d098" providerId="LiveId" clId="{605A3590-3913-4637-B59D-D120A56DD5A6}" dt="2022-11-24T05:45:31.745" v="17099" actId="20577"/>
         <pc:sldMkLst>
           <pc:docMk/>
           <pc:sldMk cId="1530672568" sldId="1923"/>
@@ -1986,7 +1986,7 @@
           </ac:spMkLst>
         </pc:spChg>
         <pc:spChg chg="add mod ord">
-          <ac:chgData name="Andrew Holmes" userId="eb9da5768798d098" providerId="LiveId" clId="{605A3590-3913-4637-B59D-D120A56DD5A6}" dt="2022-11-23T07:39:39.562" v="16247" actId="20577"/>
+          <ac:chgData name="Andrew Holmes" userId="eb9da5768798d098" providerId="LiveId" clId="{605A3590-3913-4637-B59D-D120A56DD5A6}" dt="2022-11-24T05:45:31.745" v="17099" actId="20577"/>
           <ac:spMkLst>
             <pc:docMk/>
             <pc:sldMk cId="1530672568" sldId="1923"/>
@@ -2140,7 +2140,7 @@
           <a:p>
             <a:fld id="{148EE06D-E2C5-4DF1-B3C1-8E9169AAB10D}" type="datetimeFigureOut">
               <a:rPr lang="en-US" smtClean="0"/>
-              <a:t>11/23/2022</a:t>
+              <a:t>11/24/2022</a:t>
             </a:fld>
             <a:endParaRPr lang="en-US" dirty="0"/>
           </a:p>
@@ -3668,7 +3668,7 @@
           <a:p>
             <a:fld id="{50A1B9BC-7BE7-4893-90FD-CC95830FD8F2}" type="datetimeFigureOut">
               <a:rPr lang="en-US" smtClean="0"/>
-              <a:t>11/23/2022</a:t>
+              <a:t>11/24/2022</a:t>
             </a:fld>
             <a:endParaRPr lang="en-US" dirty="0"/>
           </a:p>
@@ -5761,7 +5761,7 @@
             <a:fld id="{1D364696-E1F3-49EF-AEC8-730A16D9A23F}" type="datetimeFigureOut">
               <a:rPr lang="en-US" altLang="en-US" smtClean="0"/>
               <a:pPr/>
-              <a:t>11/23/2022</a:t>
+              <a:t>11/24/2022</a:t>
             </a:fld>
             <a:endParaRPr lang="en-US" altLang="en-US" dirty="0"/>
           </a:p>
@@ -9510,42 +9510,6 @@
       </p:sp>
       <p:sp>
         <p:nvSpPr>
-          <p:cNvPr id="6" name="Picture Placeholder 5">
-            <a:extLst>
-              <a:ext uri="{FF2B5EF4-FFF2-40B4-BE49-F238E27FC236}">
-                <a16:creationId xmlns:a16="http://schemas.microsoft.com/office/drawing/2014/main" id="{643BDF71-25A1-1AC3-C428-9299370EDDD2}"/>
-              </a:ext>
-            </a:extLst>
-          </p:cNvPr>
-          <p:cNvSpPr>
-            <a:spLocks noGrp="1"/>
-          </p:cNvSpPr>
-          <p:nvPr>
-            <p:ph type="pic" sz="quarter" idx="13"/>
-          </p:nvPr>
-        </p:nvSpPr>
-        <p:spPr/>
-      </p:sp>
-      <p:sp>
-        <p:nvSpPr>
-          <p:cNvPr id="7" name="Picture Placeholder 6">
-            <a:extLst>
-              <a:ext uri="{FF2B5EF4-FFF2-40B4-BE49-F238E27FC236}">
-                <a16:creationId xmlns:a16="http://schemas.microsoft.com/office/drawing/2014/main" id="{57CDD1CD-ACA8-7E3C-5CA1-8E0F76FEF970}"/>
-              </a:ext>
-            </a:extLst>
-          </p:cNvPr>
-          <p:cNvSpPr>
-            <a:spLocks noGrp="1"/>
-          </p:cNvSpPr>
-          <p:nvPr>
-            <p:ph type="pic" sz="quarter" idx="14"/>
-          </p:nvPr>
-        </p:nvSpPr>
-        <p:spPr/>
-      </p:sp>
-      <p:sp>
-        <p:nvSpPr>
           <p:cNvPr id="4" name="Title 3">
             <a:extLst>
               <a:ext uri="{FF2B5EF4-FFF2-40B4-BE49-F238E27FC236}">
@@ -10859,12 +10823,6 @@
           <a:lstStyle/>
           <a:p>
             <a:r>
-              <a:rPr lang="en-US" dirty="0"/>
-              <a:t>There are a few basic commands that I think you should know:</a:t>
-            </a:r>
-          </a:p>
-          <a:p>
-            <a:r>
               <a:rPr lang="en-GB" dirty="0"/>
               <a:t>3. Git commit – </a:t>
             </a:r>
@@ -11199,7 +11157,7 @@
             </a:r>
             <a:r>
               <a:rPr lang="en-US" b="0" dirty="0"/>
-              <a:t>. There’s a few ways of doing this, but I recommend </a:t>
+              <a:t>. There’s a few ways of doing this, but for now I recommend </a:t>
             </a:r>
             <a:r>
               <a:rPr lang="en-US" dirty="0"/>
@@ -11210,7 +11168,39 @@
           <a:p>
             <a:r>
               <a:rPr lang="en-US" b="0" dirty="0"/>
-              <a:t>This commits all tracked files, with the message in the quotes that follow it:</a:t>
+              <a:t>This commits </a:t>
+            </a:r>
+            <a:r>
+              <a:rPr lang="en-US" dirty="0"/>
+              <a:t>all</a:t>
+            </a:r>
+            <a:r>
+              <a:rPr lang="en-US" b="0" dirty="0"/>
+              <a:t> tracked files, with the </a:t>
+            </a:r>
+            <a:r>
+              <a:rPr lang="en-US" dirty="0"/>
+              <a:t>message</a:t>
+            </a:r>
+            <a:r>
+              <a:rPr lang="en-US" b="0" dirty="0"/>
+              <a:t> in the quotes that follow it (-am for ‘</a:t>
+            </a:r>
+            <a:r>
+              <a:rPr lang="en-US" dirty="0"/>
+              <a:t>a</a:t>
+            </a:r>
+            <a:r>
+              <a:rPr lang="en-US" b="0" dirty="0"/>
+              <a:t>ll’ and ‘</a:t>
+            </a:r>
+            <a:r>
+              <a:rPr lang="en-US" dirty="0"/>
+              <a:t>m</a:t>
+            </a:r>
+            <a:r>
+              <a:rPr lang="en-US" b="0" dirty="0"/>
+              <a:t>essage’):</a:t>
             </a:r>
             <a:endParaRPr lang="en-GB" dirty="0"/>
           </a:p>
@@ -11326,8 +11316,8 @@
         </p:nvSpPr>
         <p:spPr>
           <a:xfrm>
-            <a:off x="3835921" y="4640486"/>
-            <a:ext cx="6089715" cy="1718903"/>
+            <a:off x="3835921" y="4640487"/>
+            <a:ext cx="6089715" cy="827060"/>
           </a:xfrm>
           <a:prstGeom prst="rect">
             <a:avLst/>
@@ -12324,13 +12314,13 @@
   <p:clrMapOvr>
     <a:masterClrMapping/>
   </p:clrMapOvr>
-  <mc:AlternateContent xmlns:mc="http://schemas.openxmlformats.org/markup-compatibility/2006">
-    <mc:Choice xmlns:p14="http://schemas.microsoft.com/office/powerpoint/2010/main" Requires="p14">
+  <mc:AlternateContent xmlns:mc="http://schemas.openxmlformats.org/markup-compatibility/2006" xmlns:p14="http://schemas.microsoft.com/office/powerpoint/2010/main">
+    <mc:Choice Requires="p14">
       <p:transition spd="med" p14:dur="700">
         <p:fade/>
       </p:transition>
     </mc:Choice>
-    <mc:Fallback>
+    <mc:Fallback xmlns="">
       <p:transition spd="med">
         <p:fade/>
       </p:transition>
@@ -12608,13 +12598,13 @@
   <p:clrMapOvr>
     <a:masterClrMapping/>
   </p:clrMapOvr>
-  <mc:AlternateContent xmlns:mc="http://schemas.openxmlformats.org/markup-compatibility/2006">
-    <mc:Choice xmlns:p14="http://schemas.microsoft.com/office/powerpoint/2010/main" Requires="p14">
+  <mc:AlternateContent xmlns:mc="http://schemas.openxmlformats.org/markup-compatibility/2006" xmlns:p14="http://schemas.microsoft.com/office/powerpoint/2010/main">
+    <mc:Choice Requires="p14">
       <p:transition spd="med" p14:dur="700">
         <p:fade/>
       </p:transition>
     </mc:Choice>
-    <mc:Fallback>
+    <mc:Fallback xmlns="">
       <p:transition spd="med">
         <p:fade/>
       </p:transition>
@@ -13226,6 +13216,20 @@
             <a:r>
               <a:rPr lang="en-GB" b="0" dirty="0"/>
               <a:t> (Windows Subsystem for Linux) to run a Linux subsystem (99% of projects shouldn’t need this, but it certainly can be useful)</a:t>
+            </a:r>
+          </a:p>
+          <a:p>
+            <a:r>
+              <a:rPr lang="en-GB" b="0" dirty="0"/>
+              <a:t>Several others I can’t think of right now because I’ve been making these slides far too long lol. Maybe more to come later</a:t>
+            </a:r>
+            <a:r>
+              <a:rPr lang="en-GB" b="0"/>
+              <a:t>, think </a:t>
+            </a:r>
+            <a:r>
+              <a:rPr lang="en-GB" b="0" dirty="0"/>
+              <a:t>this is long enough for now!</a:t>
             </a:r>
           </a:p>
         </p:txBody>
@@ -15842,34 +15846,6 @@
 </file>
 
 <file path=customXml/item1.xml><?xml version="1.0" encoding="utf-8"?>
-<?mso-contentType ?>
-<FormTemplates xmlns="http://schemas.microsoft.com/sharepoint/v3/contenttype/forms">
-  <Display>DocumentLibraryForm</Display>
-  <Edit>DocumentLibraryForm</Edit>
-  <New>DocumentLibraryForm</New>
-</FormTemplates>
-</file>
-
-<file path=customXml/item2.xml><?xml version="1.0" encoding="utf-8"?>
-<p:properties xmlns:p="http://schemas.microsoft.com/office/2006/metadata/properties" xmlns:xsi="http://www.w3.org/2001/XMLSchema-instance" xmlns:pc="http://schemas.microsoft.com/office/infopath/2007/PartnerControls">
-  <documentManagement>
-    <Status xmlns="71af3243-3dd4-4a8d-8c0d-dd76da1f02a5">Not started</Status>
-    <_ip_UnifiedCompliancePolicyUIAction xmlns="http://schemas.microsoft.com/sharepoint/v3" xsi:nil="true"/>
-    <Image xmlns="71af3243-3dd4-4a8d-8c0d-dd76da1f02a5">
-      <Url xsi:nil="true"/>
-      <Description xsi:nil="true"/>
-    </Image>
-    <_ip_UnifiedCompliancePolicyProperties xmlns="http://schemas.microsoft.com/sharepoint/v3" xsi:nil="true"/>
-    <lcf76f155ced4ddcb4097134ff3c332f xmlns="71af3243-3dd4-4a8d-8c0d-dd76da1f02a5">
-      <Terms xmlns="http://schemas.microsoft.com/office/infopath/2007/PartnerControls"/>
-    </lcf76f155ced4ddcb4097134ff3c332f>
-    <TaxCatchAll xmlns="230e9df3-be65-4c73-a93b-d1236ebd677e"/>
-    <MediaServiceKeyPoints xmlns="71af3243-3dd4-4a8d-8c0d-dd76da1f02a5" xsi:nil="true"/>
-  </documentManagement>
-</p:properties>
-</file>
-
-<file path=customXml/item3.xml><?xml version="1.0" encoding="utf-8"?>
 <ct:contentTypeSchema xmlns:ct="http://schemas.microsoft.com/office/2006/metadata/contentType" xmlns:ma="http://schemas.microsoft.com/office/2006/metadata/properties/metaAttributes" ct:_="" ma:_="" ma:contentTypeName="Document" ma:contentTypeID="0x01010079F111ED35F8CC479449609E8A0923A6" ma:contentTypeVersion="18" ma:contentTypeDescription="Create a new document." ma:contentTypeScope="" ma:versionID="22a266b9fa9a230c5a512669d8b298c3">
   <xsd:schema xmlns:xsd="http://www.w3.org/2001/XMLSchema" xmlns:xs="http://www.w3.org/2001/XMLSchema" xmlns:p="http://schemas.microsoft.com/office/2006/metadata/properties" xmlns:ns1="http://schemas.microsoft.com/sharepoint/v3" xmlns:ns2="71af3243-3dd4-4a8d-8c0d-dd76da1f02a5" xmlns:ns3="16c05727-aa75-4e4a-9b5f-8a80a1165891" xmlns:ns4="230e9df3-be65-4c73-a93b-d1236ebd677e" targetNamespace="http://schemas.microsoft.com/office/2006/metadata/properties" ma:root="true" ma:fieldsID="eddc33fff6b14141ee5c74a0d29ea6a1" ns1:_="" ns2:_="" ns3:_="" ns4:_="">
     <xsd:import namespace="http://schemas.microsoft.com/sharepoint/v3"/>
@@ -16145,27 +16121,35 @@
 </ct:contentTypeSchema>
 </file>
 
-<file path=customXml/itemProps1.xml><?xml version="1.0" encoding="utf-8"?>
-<ds:datastoreItem xmlns:ds="http://schemas.openxmlformats.org/officeDocument/2006/customXml" ds:itemID="{0F9CE79C-5104-4273-B83B-D03AD839A8F7}">
-  <ds:schemaRefs>
-    <ds:schemaRef ds:uri="http://schemas.microsoft.com/sharepoint/v3/contenttype/forms"/>
-  </ds:schemaRefs>
-</ds:datastoreItem>
+<file path=customXml/item2.xml><?xml version="1.0" encoding="utf-8"?>
+<?mso-contentType ?>
+<FormTemplates xmlns="http://schemas.microsoft.com/sharepoint/v3/contenttype/forms">
+  <Display>DocumentLibraryForm</Display>
+  <Edit>DocumentLibraryForm</Edit>
+  <New>DocumentLibraryForm</New>
+</FormTemplates>
 </file>
 
-<file path=customXml/itemProps2.xml><?xml version="1.0" encoding="utf-8"?>
-<ds:datastoreItem xmlns:ds="http://schemas.openxmlformats.org/officeDocument/2006/customXml" ds:itemID="{4E18D074-6F3D-488C-8220-03C2DEFDE854}">
-  <ds:schemaRefs>
-    <ds:schemaRef ds:uri="http://schemas.microsoft.com/office/2006/metadata/properties"/>
-    <ds:schemaRef ds:uri="http://schemas.microsoft.com/office/infopath/2007/PartnerControls"/>
-    <ds:schemaRef ds:uri="71af3243-3dd4-4a8d-8c0d-dd76da1f02a5"/>
-    <ds:schemaRef ds:uri="http://schemas.microsoft.com/sharepoint/v3"/>
-    <ds:schemaRef ds:uri="230e9df3-be65-4c73-a93b-d1236ebd677e"/>
-  </ds:schemaRefs>
-</ds:datastoreItem>
+<file path=customXml/item3.xml><?xml version="1.0" encoding="utf-8"?>
+<p:properties xmlns:p="http://schemas.microsoft.com/office/2006/metadata/properties" xmlns:xsi="http://www.w3.org/2001/XMLSchema-instance" xmlns:pc="http://schemas.microsoft.com/office/infopath/2007/PartnerControls">
+  <documentManagement>
+    <Status xmlns="71af3243-3dd4-4a8d-8c0d-dd76da1f02a5">Not started</Status>
+    <_ip_UnifiedCompliancePolicyUIAction xmlns="http://schemas.microsoft.com/sharepoint/v3" xsi:nil="true"/>
+    <Image xmlns="71af3243-3dd4-4a8d-8c0d-dd76da1f02a5">
+      <Url xsi:nil="true"/>
+      <Description xsi:nil="true"/>
+    </Image>
+    <_ip_UnifiedCompliancePolicyProperties xmlns="http://schemas.microsoft.com/sharepoint/v3" xsi:nil="true"/>
+    <lcf76f155ced4ddcb4097134ff3c332f xmlns="71af3243-3dd4-4a8d-8c0d-dd76da1f02a5">
+      <Terms xmlns="http://schemas.microsoft.com/office/infopath/2007/PartnerControls"/>
+    </lcf76f155ced4ddcb4097134ff3c332f>
+    <TaxCatchAll xmlns="230e9df3-be65-4c73-a93b-d1236ebd677e"/>
+    <MediaServiceKeyPoints xmlns="71af3243-3dd4-4a8d-8c0d-dd76da1f02a5" xsi:nil="true"/>
+  </documentManagement>
+</p:properties>
 </file>
 
-<file path=customXml/itemProps3.xml><?xml version="1.0" encoding="utf-8"?>
+<file path=customXml/itemProps1.xml><?xml version="1.0" encoding="utf-8"?>
 <ds:datastoreItem xmlns:ds="http://schemas.openxmlformats.org/officeDocument/2006/customXml" ds:itemID="{1D141EBB-3386-4164-A294-111C6309E33E}">
   <ds:schemaRefs>
     <ds:schemaRef ds:uri="http://schemas.microsoft.com/office/2006/metadata/contentType"/>
@@ -16184,4 +16168,24 @@
     <ds:schemaRef ds:uri="http://schemas.microsoft.com/internal/obd"/>
   </ds:schemaRefs>
 </ds:datastoreItem>
+</file>
+
+<file path=customXml/itemProps2.xml><?xml version="1.0" encoding="utf-8"?>
+<ds:datastoreItem xmlns:ds="http://schemas.openxmlformats.org/officeDocument/2006/customXml" ds:itemID="{0F9CE79C-5104-4273-B83B-D03AD839A8F7}">
+  <ds:schemaRefs>
+    <ds:schemaRef ds:uri="http://schemas.microsoft.com/sharepoint/v3/contenttype/forms"/>
+  </ds:schemaRefs>
+</ds:datastoreItem>
+</file>
+
+<file path=customXml/itemProps3.xml><?xml version="1.0" encoding="utf-8"?>
+<ds:datastoreItem xmlns:ds="http://schemas.openxmlformats.org/officeDocument/2006/customXml" ds:itemID="{4E18D074-6F3D-488C-8220-03C2DEFDE854}">
+  <ds:schemaRefs>
+    <ds:schemaRef ds:uri="http://schemas.microsoft.com/office/2006/metadata/properties"/>
+    <ds:schemaRef ds:uri="http://schemas.microsoft.com/office/infopath/2007/PartnerControls"/>
+    <ds:schemaRef ds:uri="71af3243-3dd4-4a8d-8c0d-dd76da1f02a5"/>
+    <ds:schemaRef ds:uri="http://schemas.microsoft.com/sharepoint/v3"/>
+    <ds:schemaRef ds:uri="230e9df3-be65-4c73-a93b-d1236ebd677e"/>
+  </ds:schemaRefs>
+</ds:datastoreItem>
 </file>